--- a/포트폴리오_ppt/게임기획_홍진선_포트폴리오.pptx
+++ b/포트폴리오_ppt/게임기획_홍진선_포트폴리오.pptx
@@ -236,7 +236,7 @@
           <a:p>
             <a:fld id="{5C3DAF4C-20C0-4A95-ABB7-DD59F513659F}" type="datetimeFigureOut">
               <a:rPr lang="ko-KR" altLang="en-US" smtClean="0"/>
-              <a:t>2025-07-28</a:t>
+              <a:t>2025-07-29</a:t>
             </a:fld>
             <a:endParaRPr lang="ko-KR" altLang="en-US"/>
           </a:p>
@@ -734,7 +734,7 @@
           <a:p>
             <a:fld id="{EF9BB6E4-2FC1-4730-B741-304BD3A4AD8B}" type="datetimeFigureOut">
               <a:rPr lang="ko-KR" altLang="en-US" smtClean="0"/>
-              <a:t>2025-07-28</a:t>
+              <a:t>2025-07-29</a:t>
             </a:fld>
             <a:endParaRPr lang="ko-KR" altLang="en-US"/>
           </a:p>
@@ -932,7 +932,7 @@
           <a:p>
             <a:fld id="{EF9BB6E4-2FC1-4730-B741-304BD3A4AD8B}" type="datetimeFigureOut">
               <a:rPr lang="ko-KR" altLang="en-US" smtClean="0"/>
-              <a:t>2025-07-28</a:t>
+              <a:t>2025-07-29</a:t>
             </a:fld>
             <a:endParaRPr lang="ko-KR" altLang="en-US"/>
           </a:p>
@@ -1140,7 +1140,7 @@
           <a:p>
             <a:fld id="{EF9BB6E4-2FC1-4730-B741-304BD3A4AD8B}" type="datetimeFigureOut">
               <a:rPr lang="ko-KR" altLang="en-US" smtClean="0"/>
-              <a:t>2025-07-28</a:t>
+              <a:t>2025-07-29</a:t>
             </a:fld>
             <a:endParaRPr lang="ko-KR" altLang="en-US"/>
           </a:p>
@@ -1338,7 +1338,7 @@
           <a:p>
             <a:fld id="{EF9BB6E4-2FC1-4730-B741-304BD3A4AD8B}" type="datetimeFigureOut">
               <a:rPr lang="ko-KR" altLang="en-US" smtClean="0"/>
-              <a:t>2025-07-28</a:t>
+              <a:t>2025-07-29</a:t>
             </a:fld>
             <a:endParaRPr lang="ko-KR" altLang="en-US"/>
           </a:p>
@@ -1613,7 +1613,7 @@
           <a:p>
             <a:fld id="{EF9BB6E4-2FC1-4730-B741-304BD3A4AD8B}" type="datetimeFigureOut">
               <a:rPr lang="ko-KR" altLang="en-US" smtClean="0"/>
-              <a:t>2025-07-28</a:t>
+              <a:t>2025-07-29</a:t>
             </a:fld>
             <a:endParaRPr lang="ko-KR" altLang="en-US"/>
           </a:p>
@@ -1878,7 +1878,7 @@
           <a:p>
             <a:fld id="{EF9BB6E4-2FC1-4730-B741-304BD3A4AD8B}" type="datetimeFigureOut">
               <a:rPr lang="ko-KR" altLang="en-US" smtClean="0"/>
-              <a:t>2025-07-28</a:t>
+              <a:t>2025-07-29</a:t>
             </a:fld>
             <a:endParaRPr lang="ko-KR" altLang="en-US"/>
           </a:p>
@@ -2290,7 +2290,7 @@
           <a:p>
             <a:fld id="{EF9BB6E4-2FC1-4730-B741-304BD3A4AD8B}" type="datetimeFigureOut">
               <a:rPr lang="ko-KR" altLang="en-US" smtClean="0"/>
-              <a:t>2025-07-28</a:t>
+              <a:t>2025-07-29</a:t>
             </a:fld>
             <a:endParaRPr lang="ko-KR" altLang="en-US"/>
           </a:p>
@@ -2431,7 +2431,7 @@
           <a:p>
             <a:fld id="{EF9BB6E4-2FC1-4730-B741-304BD3A4AD8B}" type="datetimeFigureOut">
               <a:rPr lang="ko-KR" altLang="en-US" smtClean="0"/>
-              <a:t>2025-07-28</a:t>
+              <a:t>2025-07-29</a:t>
             </a:fld>
             <a:endParaRPr lang="ko-KR" altLang="en-US"/>
           </a:p>
@@ -2544,7 +2544,7 @@
           <a:p>
             <a:fld id="{EF9BB6E4-2FC1-4730-B741-304BD3A4AD8B}" type="datetimeFigureOut">
               <a:rPr lang="ko-KR" altLang="en-US" smtClean="0"/>
-              <a:t>2025-07-28</a:t>
+              <a:t>2025-07-29</a:t>
             </a:fld>
             <a:endParaRPr lang="ko-KR" altLang="en-US"/>
           </a:p>
@@ -2855,7 +2855,7 @@
           <a:p>
             <a:fld id="{EF9BB6E4-2FC1-4730-B741-304BD3A4AD8B}" type="datetimeFigureOut">
               <a:rPr lang="ko-KR" altLang="en-US" smtClean="0"/>
-              <a:t>2025-07-28</a:t>
+              <a:t>2025-07-29</a:t>
             </a:fld>
             <a:endParaRPr lang="ko-KR" altLang="en-US"/>
           </a:p>
@@ -3143,7 +3143,7 @@
           <a:p>
             <a:fld id="{EF9BB6E4-2FC1-4730-B741-304BD3A4AD8B}" type="datetimeFigureOut">
               <a:rPr lang="ko-KR" altLang="en-US" smtClean="0"/>
-              <a:t>2025-07-28</a:t>
+              <a:t>2025-07-29</a:t>
             </a:fld>
             <a:endParaRPr lang="ko-KR" altLang="en-US"/>
           </a:p>
@@ -3384,7 +3384,7 @@
           <a:p>
             <a:fld id="{EF9BB6E4-2FC1-4730-B741-304BD3A4AD8B}" type="datetimeFigureOut">
               <a:rPr lang="ko-KR" altLang="en-US" smtClean="0"/>
-              <a:t>2025-07-28</a:t>
+              <a:t>2025-07-29</a:t>
             </a:fld>
             <a:endParaRPr lang="ko-KR" altLang="en-US"/>
           </a:p>

--- a/포트폴리오_ppt/게임기획_홍진선_포트폴리오.pptx
+++ b/포트폴리오_ppt/게임기획_홍진선_포트폴리오.pptx
@@ -236,7 +236,7 @@
           <a:p>
             <a:fld id="{5C3DAF4C-20C0-4A95-ABB7-DD59F513659F}" type="datetimeFigureOut">
               <a:rPr lang="ko-KR" altLang="en-US" smtClean="0"/>
-              <a:t>2025-07-29</a:t>
+              <a:t>2025-08-13</a:t>
             </a:fld>
             <a:endParaRPr lang="ko-KR" altLang="en-US"/>
           </a:p>
@@ -734,7 +734,7 @@
           <a:p>
             <a:fld id="{EF9BB6E4-2FC1-4730-B741-304BD3A4AD8B}" type="datetimeFigureOut">
               <a:rPr lang="ko-KR" altLang="en-US" smtClean="0"/>
-              <a:t>2025-07-29</a:t>
+              <a:t>2025-08-13</a:t>
             </a:fld>
             <a:endParaRPr lang="ko-KR" altLang="en-US"/>
           </a:p>
@@ -932,7 +932,7 @@
           <a:p>
             <a:fld id="{EF9BB6E4-2FC1-4730-B741-304BD3A4AD8B}" type="datetimeFigureOut">
               <a:rPr lang="ko-KR" altLang="en-US" smtClean="0"/>
-              <a:t>2025-07-29</a:t>
+              <a:t>2025-08-13</a:t>
             </a:fld>
             <a:endParaRPr lang="ko-KR" altLang="en-US"/>
           </a:p>
@@ -1140,7 +1140,7 @@
           <a:p>
             <a:fld id="{EF9BB6E4-2FC1-4730-B741-304BD3A4AD8B}" type="datetimeFigureOut">
               <a:rPr lang="ko-KR" altLang="en-US" smtClean="0"/>
-              <a:t>2025-07-29</a:t>
+              <a:t>2025-08-13</a:t>
             </a:fld>
             <a:endParaRPr lang="ko-KR" altLang="en-US"/>
           </a:p>
@@ -1338,7 +1338,7 @@
           <a:p>
             <a:fld id="{EF9BB6E4-2FC1-4730-B741-304BD3A4AD8B}" type="datetimeFigureOut">
               <a:rPr lang="ko-KR" altLang="en-US" smtClean="0"/>
-              <a:t>2025-07-29</a:t>
+              <a:t>2025-08-13</a:t>
             </a:fld>
             <a:endParaRPr lang="ko-KR" altLang="en-US"/>
           </a:p>
@@ -1613,7 +1613,7 @@
           <a:p>
             <a:fld id="{EF9BB6E4-2FC1-4730-B741-304BD3A4AD8B}" type="datetimeFigureOut">
               <a:rPr lang="ko-KR" altLang="en-US" smtClean="0"/>
-              <a:t>2025-07-29</a:t>
+              <a:t>2025-08-13</a:t>
             </a:fld>
             <a:endParaRPr lang="ko-KR" altLang="en-US"/>
           </a:p>
@@ -1878,7 +1878,7 @@
           <a:p>
             <a:fld id="{EF9BB6E4-2FC1-4730-B741-304BD3A4AD8B}" type="datetimeFigureOut">
               <a:rPr lang="ko-KR" altLang="en-US" smtClean="0"/>
-              <a:t>2025-07-29</a:t>
+              <a:t>2025-08-13</a:t>
             </a:fld>
             <a:endParaRPr lang="ko-KR" altLang="en-US"/>
           </a:p>
@@ -2290,7 +2290,7 @@
           <a:p>
             <a:fld id="{EF9BB6E4-2FC1-4730-B741-304BD3A4AD8B}" type="datetimeFigureOut">
               <a:rPr lang="ko-KR" altLang="en-US" smtClean="0"/>
-              <a:t>2025-07-29</a:t>
+              <a:t>2025-08-13</a:t>
             </a:fld>
             <a:endParaRPr lang="ko-KR" altLang="en-US"/>
           </a:p>
@@ -2431,7 +2431,7 @@
           <a:p>
             <a:fld id="{EF9BB6E4-2FC1-4730-B741-304BD3A4AD8B}" type="datetimeFigureOut">
               <a:rPr lang="ko-KR" altLang="en-US" smtClean="0"/>
-              <a:t>2025-07-29</a:t>
+              <a:t>2025-08-13</a:t>
             </a:fld>
             <a:endParaRPr lang="ko-KR" altLang="en-US"/>
           </a:p>
@@ -2544,7 +2544,7 @@
           <a:p>
             <a:fld id="{EF9BB6E4-2FC1-4730-B741-304BD3A4AD8B}" type="datetimeFigureOut">
               <a:rPr lang="ko-KR" altLang="en-US" smtClean="0"/>
-              <a:t>2025-07-29</a:t>
+              <a:t>2025-08-13</a:t>
             </a:fld>
             <a:endParaRPr lang="ko-KR" altLang="en-US"/>
           </a:p>
@@ -2855,7 +2855,7 @@
           <a:p>
             <a:fld id="{EF9BB6E4-2FC1-4730-B741-304BD3A4AD8B}" type="datetimeFigureOut">
               <a:rPr lang="ko-KR" altLang="en-US" smtClean="0"/>
-              <a:t>2025-07-29</a:t>
+              <a:t>2025-08-13</a:t>
             </a:fld>
             <a:endParaRPr lang="ko-KR" altLang="en-US"/>
           </a:p>
@@ -3143,7 +3143,7 @@
           <a:p>
             <a:fld id="{EF9BB6E4-2FC1-4730-B741-304BD3A4AD8B}" type="datetimeFigureOut">
               <a:rPr lang="ko-KR" altLang="en-US" smtClean="0"/>
-              <a:t>2025-07-29</a:t>
+              <a:t>2025-08-13</a:t>
             </a:fld>
             <a:endParaRPr lang="ko-KR" altLang="en-US"/>
           </a:p>
@@ -3384,7 +3384,7 @@
           <a:p>
             <a:fld id="{EF9BB6E4-2FC1-4730-B741-304BD3A4AD8B}" type="datetimeFigureOut">
               <a:rPr lang="ko-KR" altLang="en-US" smtClean="0"/>
-              <a:t>2025-07-29</a:t>
+              <a:t>2025-08-13</a:t>
             </a:fld>
             <a:endParaRPr lang="ko-KR" altLang="en-US"/>
           </a:p>
@@ -4082,162 +4082,6 @@
       </p:cxnSp>
       <p:sp>
         <p:nvSpPr>
-          <p:cNvPr id="11" name="TextBox 10">
-            <a:extLst>
-              <a:ext uri="{FF2B5EF4-FFF2-40B4-BE49-F238E27FC236}">
-                <a16:creationId xmlns:a16="http://schemas.microsoft.com/office/drawing/2014/main" id="{377A9957-EE49-9FB4-6E90-04877C7A769B}"/>
-              </a:ext>
-            </a:extLst>
-          </p:cNvPr>
-          <p:cNvSpPr txBox="1"/>
-          <p:nvPr/>
-        </p:nvSpPr>
-        <p:spPr>
-          <a:xfrm>
-            <a:off x="2625446" y="2021309"/>
-            <a:ext cx="2433358" cy="153888"/>
-          </a:xfrm>
-          <a:prstGeom prst="rect">
-            <a:avLst/>
-          </a:prstGeom>
-          <a:noFill/>
-        </p:spPr>
-        <p:txBody>
-          <a:bodyPr wrap="none" lIns="0" tIns="0" rIns="0" bIns="0" rtlCol="0" anchor="b">
-            <a:spAutoFit/>
-          </a:bodyPr>
-          <a:lstStyle/>
-          <a:p>
-            <a:r>
-              <a:rPr lang="ko-KR" altLang="en-US" sz="1000" dirty="0">
-                <a:ln>
-                  <a:solidFill>
-                    <a:schemeClr val="bg1">
-                      <a:lumMod val="75000"/>
-                      <a:alpha val="0"/>
-                    </a:schemeClr>
-                  </a:solidFill>
-                </a:ln>
-                <a:latin typeface="Pretendard Medium" panose="02000603000000020004" pitchFamily="2" charset="-127"/>
-                <a:ea typeface="Pretendard Medium" panose="02000603000000020004" pitchFamily="2" charset="-127"/>
-                <a:cs typeface="Pretendard Medium" panose="02000603000000020004" pitchFamily="2" charset="-127"/>
-              </a:rPr>
-              <a:t>안녕하세요</a:t>
-            </a:r>
-            <a:r>
-              <a:rPr lang="en-US" altLang="ko-KR" sz="1000" dirty="0">
-                <a:ln>
-                  <a:solidFill>
-                    <a:schemeClr val="bg1">
-                      <a:lumMod val="75000"/>
-                      <a:alpha val="0"/>
-                    </a:schemeClr>
-                  </a:solidFill>
-                </a:ln>
-                <a:latin typeface="Pretendard Medium" panose="02000603000000020004" pitchFamily="2" charset="-127"/>
-                <a:ea typeface="Pretendard Medium" panose="02000603000000020004" pitchFamily="2" charset="-127"/>
-                <a:cs typeface="Pretendard Medium" panose="02000603000000020004" pitchFamily="2" charset="-127"/>
-              </a:rPr>
-              <a:t>! </a:t>
-            </a:r>
-            <a:r>
-              <a:rPr lang="ko-KR" altLang="en-US" sz="1000" b="1" dirty="0">
-                <a:ln>
-                  <a:solidFill>
-                    <a:schemeClr val="bg1">
-                      <a:lumMod val="75000"/>
-                      <a:alpha val="0"/>
-                    </a:schemeClr>
-                  </a:solidFill>
-                </a:ln>
-                <a:latin typeface="Pretendard Medium" panose="02000603000000020004" pitchFamily="2" charset="-127"/>
-                <a:ea typeface="Pretendard Medium" panose="02000603000000020004" pitchFamily="2" charset="-127"/>
-                <a:cs typeface="Pretendard Medium" panose="02000603000000020004" pitchFamily="2" charset="-127"/>
-              </a:rPr>
-              <a:t>전투기획자</a:t>
-            </a:r>
-            <a:r>
-              <a:rPr lang="ko-KR" altLang="en-US" sz="1000" dirty="0">
-                <a:ln>
-                  <a:solidFill>
-                    <a:schemeClr val="bg1">
-                      <a:lumMod val="75000"/>
-                      <a:alpha val="0"/>
-                    </a:schemeClr>
-                  </a:solidFill>
-                </a:ln>
-                <a:latin typeface="Pretendard Medium" panose="02000603000000020004" pitchFamily="2" charset="-127"/>
-                <a:ea typeface="Pretendard Medium" panose="02000603000000020004" pitchFamily="2" charset="-127"/>
-                <a:cs typeface="Pretendard Medium" panose="02000603000000020004" pitchFamily="2" charset="-127"/>
-              </a:rPr>
-              <a:t>를 꿈꾸는 </a:t>
-            </a:r>
-            <a:r>
-              <a:rPr lang="ko-KR" altLang="en-US" sz="1000" b="1" dirty="0">
-                <a:ln>
-                  <a:solidFill>
-                    <a:schemeClr val="bg1">
-                      <a:lumMod val="75000"/>
-                      <a:alpha val="0"/>
-                    </a:schemeClr>
-                  </a:solidFill>
-                </a:ln>
-                <a:latin typeface="Pretendard Medium" panose="02000603000000020004" pitchFamily="2" charset="-127"/>
-                <a:ea typeface="Pretendard Medium" panose="02000603000000020004" pitchFamily="2" charset="-127"/>
-                <a:cs typeface="Pretendard Medium" panose="02000603000000020004" pitchFamily="2" charset="-127"/>
-              </a:rPr>
-              <a:t>홍진선</a:t>
-            </a:r>
-            <a:r>
-              <a:rPr lang="ko-KR" altLang="en-US" sz="1000" dirty="0">
-                <a:ln>
-                  <a:solidFill>
-                    <a:schemeClr val="bg1">
-                      <a:lumMod val="75000"/>
-                      <a:alpha val="0"/>
-                    </a:schemeClr>
-                  </a:solidFill>
-                </a:ln>
-                <a:latin typeface="Pretendard Medium" panose="02000603000000020004" pitchFamily="2" charset="-127"/>
-                <a:ea typeface="Pretendard Medium" panose="02000603000000020004" pitchFamily="2" charset="-127"/>
-                <a:cs typeface="Pretendard Medium" panose="02000603000000020004" pitchFamily="2" charset="-127"/>
-              </a:rPr>
-              <a:t>입니다</a:t>
-            </a:r>
-            <a:r>
-              <a:rPr lang="en-US" altLang="ko-KR" sz="1000" dirty="0">
-                <a:ln>
-                  <a:solidFill>
-                    <a:schemeClr val="bg1">
-                      <a:lumMod val="75000"/>
-                      <a:alpha val="0"/>
-                    </a:schemeClr>
-                  </a:solidFill>
-                </a:ln>
-                <a:latin typeface="Pretendard Medium" panose="02000603000000020004" pitchFamily="2" charset="-127"/>
-                <a:ea typeface="Pretendard Medium" panose="02000603000000020004" pitchFamily="2" charset="-127"/>
-                <a:cs typeface="Pretendard Medium" panose="02000603000000020004" pitchFamily="2" charset="-127"/>
-              </a:rPr>
-              <a:t>.</a:t>
-            </a:r>
-            <a:endParaRPr lang="ko-KR" altLang="en-US" sz="1000" dirty="0">
-              <a:ln>
-                <a:solidFill>
-                  <a:schemeClr val="bg1">
-                    <a:lumMod val="75000"/>
-                    <a:alpha val="0"/>
-                  </a:schemeClr>
-                </a:solidFill>
-              </a:ln>
-              <a:latin typeface="Pretendard Medium" panose="02000603000000020004" pitchFamily="2" charset="-127"/>
-              <a:ea typeface="Pretendard Medium" panose="02000603000000020004" pitchFamily="2" charset="-127"/>
-              <a:cs typeface="Pretendard Medium" panose="02000603000000020004" pitchFamily="2" charset="-127"/>
-            </a:endParaRPr>
-          </a:p>
-        </p:txBody>
-      </p:sp>
-      <p:sp>
-        <p:nvSpPr>
           <p:cNvPr id="12" name="TextBox 11">
             <a:extLst>
               <a:ext uri="{FF2B5EF4-FFF2-40B4-BE49-F238E27FC236}">
@@ -4320,6 +4164,1201 @@
           </a:fontRef>
         </p:style>
       </p:cxnSp>
+      <p:sp>
+        <p:nvSpPr>
+          <p:cNvPr id="2" name="직사각형 1">
+            <a:extLst>
+              <a:ext uri="{FF2B5EF4-FFF2-40B4-BE49-F238E27FC236}">
+                <a16:creationId xmlns:a16="http://schemas.microsoft.com/office/drawing/2014/main" id="{F347D117-DE78-2AEA-FD1F-98E8D547907F}"/>
+              </a:ext>
+            </a:extLst>
+          </p:cNvPr>
+          <p:cNvSpPr/>
+          <p:nvPr/>
+        </p:nvSpPr>
+        <p:spPr>
+          <a:xfrm>
+            <a:off x="192088" y="1713186"/>
+            <a:ext cx="1138940" cy="1587360"/>
+          </a:xfrm>
+          <a:prstGeom prst="rect">
+            <a:avLst/>
+          </a:prstGeom>
+        </p:spPr>
+        <p:style>
+          <a:lnRef idx="2">
+            <a:schemeClr val="dk1">
+              <a:shade val="15000"/>
+            </a:schemeClr>
+          </a:lnRef>
+          <a:fillRef idx="1">
+            <a:schemeClr val="dk1"/>
+          </a:fillRef>
+          <a:effectRef idx="0">
+            <a:schemeClr val="dk1"/>
+          </a:effectRef>
+          <a:fontRef idx="minor">
+            <a:schemeClr val="lt1"/>
+          </a:fontRef>
+        </p:style>
+        <p:txBody>
+          <a:bodyPr rtlCol="0" anchor="ctr"/>
+          <a:lstStyle/>
+          <a:p>
+            <a:pPr algn="ctr"/>
+            <a:r>
+              <a:rPr lang="ko-KR" altLang="en-US" dirty="0"/>
+              <a:t>얼굴</a:t>
+            </a:r>
+          </a:p>
+        </p:txBody>
+      </p:sp>
+      <p:graphicFrame>
+        <p:nvGraphicFramePr>
+          <p:cNvPr id="10" name="표 9">
+            <a:extLst>
+              <a:ext uri="{FF2B5EF4-FFF2-40B4-BE49-F238E27FC236}">
+                <a16:creationId xmlns:a16="http://schemas.microsoft.com/office/drawing/2014/main" id="{EAB10E57-0E87-B07F-6DCE-0635C9DB2E93}"/>
+              </a:ext>
+            </a:extLst>
+          </p:cNvPr>
+          <p:cNvGraphicFramePr>
+            <a:graphicFrameLocks noGrp="1"/>
+          </p:cNvGraphicFramePr>
+          <p:nvPr>
+            <p:extLst>
+              <p:ext uri="{D42A27DB-BD31-4B8C-83A1-F6EECF244321}">
+                <p14:modId xmlns:p14="http://schemas.microsoft.com/office/powerpoint/2010/main" val="3397510879"/>
+              </p:ext>
+            </p:extLst>
+          </p:nvPr>
+        </p:nvGraphicFramePr>
+        <p:xfrm>
+          <a:off x="1714424" y="1713186"/>
+          <a:ext cx="2192270" cy="1587360"/>
+        </p:xfrm>
+        <a:graphic>
+          <a:graphicData uri="http://schemas.openxmlformats.org/drawingml/2006/table">
+            <a:tbl>
+              <a:tblPr firstRow="1" bandRow="1">
+                <a:tableStyleId>{5C22544A-7EE6-4342-B048-85BDC9FD1C3A}</a:tableStyleId>
+              </a:tblPr>
+              <a:tblGrid>
+                <a:gridCol w="780159">
+                  <a:extLst>
+                    <a:ext uri="{9D8B030D-6E8A-4147-A177-3AD203B41FA5}">
+                      <a16:colId xmlns:a16="http://schemas.microsoft.com/office/drawing/2014/main" val="1073248805"/>
+                    </a:ext>
+                  </a:extLst>
+                </a:gridCol>
+                <a:gridCol w="1412111">
+                  <a:extLst>
+                    <a:ext uri="{9D8B030D-6E8A-4147-A177-3AD203B41FA5}">
+                      <a16:colId xmlns:a16="http://schemas.microsoft.com/office/drawing/2014/main" val="60372332"/>
+                    </a:ext>
+                  </a:extLst>
+                </a:gridCol>
+              </a:tblGrid>
+              <a:tr h="216000">
+                <a:tc>
+                  <a:txBody>
+                    <a:bodyPr/>
+                    <a:lstStyle/>
+                    <a:p>
+                      <a:pPr algn="dist" latinLnBrk="1"/>
+                      <a:r>
+                        <a:rPr lang="ko-KR" altLang="en-US" sz="1000" b="1" dirty="0">
+                          <a:solidFill>
+                            <a:schemeClr val="tx1"/>
+                          </a:solidFill>
+                          <a:latin typeface="Pretendard" panose="02000503000000020004" pitchFamily="2" charset="-127"/>
+                          <a:ea typeface="Pretendard" panose="02000503000000020004" pitchFamily="2" charset="-127"/>
+                          <a:cs typeface="Pretendard" panose="02000503000000020004" pitchFamily="2" charset="-127"/>
+                        </a:rPr>
+                        <a:t>이름 </a:t>
+                      </a:r>
+                      <a:r>
+                        <a:rPr lang="en-US" altLang="ko-KR" sz="1000" b="1" dirty="0">
+                          <a:solidFill>
+                            <a:schemeClr val="tx1"/>
+                          </a:solidFill>
+                          <a:latin typeface="Pretendard" panose="02000503000000020004" pitchFamily="2" charset="-127"/>
+                          <a:ea typeface="Pretendard" panose="02000503000000020004" pitchFamily="2" charset="-127"/>
+                          <a:cs typeface="Pretendard" panose="02000503000000020004" pitchFamily="2" charset="-127"/>
+                        </a:rPr>
+                        <a:t>:</a:t>
+                      </a:r>
+                    </a:p>
+                  </a:txBody>
+                  <a:tcPr anchor="ctr">
+                    <a:lnL w="19050" cap="flat" cmpd="sng" algn="ctr">
+                      <a:solidFill>
+                        <a:srgbClr val="0070C0"/>
+                      </a:solidFill>
+                      <a:prstDash val="solid"/>
+                      <a:round/>
+                      <a:headEnd type="none" w="med" len="med"/>
+                      <a:tailEnd type="none" w="med" len="med"/>
+                    </a:lnL>
+                    <a:solidFill>
+                      <a:schemeClr val="bg1"/>
+                    </a:solidFill>
+                  </a:tcPr>
+                </a:tc>
+                <a:tc>
+                  <a:txBody>
+                    <a:bodyPr/>
+                    <a:lstStyle/>
+                    <a:p>
+                      <a:pPr latinLnBrk="1"/>
+                      <a:r>
+                        <a:rPr lang="ko-KR" altLang="en-US" sz="1000" b="0" dirty="0">
+                          <a:solidFill>
+                            <a:schemeClr val="tx1"/>
+                          </a:solidFill>
+                          <a:latin typeface="Pretendard" panose="02000503000000020004" pitchFamily="2" charset="-127"/>
+                          <a:ea typeface="Pretendard" panose="02000503000000020004" pitchFamily="2" charset="-127"/>
+                          <a:cs typeface="Pretendard" panose="02000503000000020004" pitchFamily="2" charset="-127"/>
+                        </a:rPr>
+                        <a:t>홍진선</a:t>
+                      </a:r>
+                    </a:p>
+                  </a:txBody>
+                  <a:tcPr marL="45720" marR="45720" anchor="ctr">
+                    <a:solidFill>
+                      <a:schemeClr val="bg1"/>
+                    </a:solidFill>
+                  </a:tcPr>
+                </a:tc>
+                <a:extLst>
+                  <a:ext uri="{0D108BD9-81ED-4DB2-BD59-A6C34878D82A}">
+                    <a16:rowId xmlns:a16="http://schemas.microsoft.com/office/drawing/2014/main" val="1586012168"/>
+                  </a:ext>
+                </a:extLst>
+              </a:tr>
+              <a:tr h="180000">
+                <a:tc>
+                  <a:txBody>
+                    <a:bodyPr/>
+                    <a:lstStyle/>
+                    <a:p>
+                      <a:pPr algn="dist" latinLnBrk="1"/>
+                      <a:endParaRPr lang="en-US" altLang="ko-KR" sz="100" b="1" dirty="0">
+                        <a:solidFill>
+                          <a:schemeClr val="tx1"/>
+                        </a:solidFill>
+                        <a:latin typeface="Pretendard" panose="02000503000000020004" pitchFamily="2" charset="-127"/>
+                        <a:ea typeface="Pretendard" panose="02000503000000020004" pitchFamily="2" charset="-127"/>
+                        <a:cs typeface="Pretendard" panose="02000503000000020004" pitchFamily="2" charset="-127"/>
+                      </a:endParaRPr>
+                    </a:p>
+                  </a:txBody>
+                  <a:tcPr anchor="ctr">
+                    <a:solidFill>
+                      <a:schemeClr val="bg1"/>
+                    </a:solidFill>
+                  </a:tcPr>
+                </a:tc>
+                <a:tc>
+                  <a:txBody>
+                    <a:bodyPr/>
+                    <a:lstStyle/>
+                    <a:p>
+                      <a:pPr latinLnBrk="1"/>
+                      <a:endParaRPr lang="ko-KR" altLang="en-US" sz="100" b="0" dirty="0">
+                        <a:solidFill>
+                          <a:schemeClr val="tx1"/>
+                        </a:solidFill>
+                        <a:latin typeface="Pretendard" panose="02000503000000020004" pitchFamily="2" charset="-127"/>
+                        <a:ea typeface="Pretendard" panose="02000503000000020004" pitchFamily="2" charset="-127"/>
+                        <a:cs typeface="Pretendard" panose="02000503000000020004" pitchFamily="2" charset="-127"/>
+                      </a:endParaRPr>
+                    </a:p>
+                  </a:txBody>
+                  <a:tcPr marL="45720" marR="45720" anchor="ctr">
+                    <a:solidFill>
+                      <a:schemeClr val="bg1"/>
+                    </a:solidFill>
+                  </a:tcPr>
+                </a:tc>
+                <a:extLst>
+                  <a:ext uri="{0D108BD9-81ED-4DB2-BD59-A6C34878D82A}">
+                    <a16:rowId xmlns:a16="http://schemas.microsoft.com/office/drawing/2014/main" val="385975484"/>
+                  </a:ext>
+                </a:extLst>
+              </a:tr>
+              <a:tr h="216000">
+                <a:tc>
+                  <a:txBody>
+                    <a:bodyPr/>
+                    <a:lstStyle/>
+                    <a:p>
+                      <a:pPr algn="dist" latinLnBrk="1"/>
+                      <a:r>
+                        <a:rPr lang="ko-KR" altLang="en-US" sz="1000" b="1" dirty="0">
+                          <a:solidFill>
+                            <a:schemeClr val="tx1"/>
+                          </a:solidFill>
+                          <a:latin typeface="Pretendard" panose="02000503000000020004" pitchFamily="2" charset="-127"/>
+                          <a:ea typeface="Pretendard" panose="02000503000000020004" pitchFamily="2" charset="-127"/>
+                          <a:cs typeface="Pretendard" panose="02000503000000020004" pitchFamily="2" charset="-127"/>
+                        </a:rPr>
+                        <a:t>생년월일 </a:t>
+                      </a:r>
+                      <a:r>
+                        <a:rPr lang="en-US" altLang="ko-KR" sz="1000" b="1" dirty="0">
+                          <a:solidFill>
+                            <a:schemeClr val="tx1"/>
+                          </a:solidFill>
+                          <a:latin typeface="Pretendard" panose="02000503000000020004" pitchFamily="2" charset="-127"/>
+                          <a:ea typeface="Pretendard" panose="02000503000000020004" pitchFamily="2" charset="-127"/>
+                          <a:cs typeface="Pretendard" panose="02000503000000020004" pitchFamily="2" charset="-127"/>
+                        </a:rPr>
+                        <a:t>:</a:t>
+                      </a:r>
+                      <a:endParaRPr lang="ko-KR" altLang="en-US" sz="1000" b="1" dirty="0">
+                        <a:solidFill>
+                          <a:schemeClr val="tx1"/>
+                        </a:solidFill>
+                        <a:latin typeface="Pretendard" panose="02000503000000020004" pitchFamily="2" charset="-127"/>
+                        <a:ea typeface="Pretendard" panose="02000503000000020004" pitchFamily="2" charset="-127"/>
+                        <a:cs typeface="Pretendard" panose="02000503000000020004" pitchFamily="2" charset="-127"/>
+                      </a:endParaRPr>
+                    </a:p>
+                  </a:txBody>
+                  <a:tcPr anchor="ctr">
+                    <a:lnL w="19050" cap="flat" cmpd="sng" algn="ctr">
+                      <a:solidFill>
+                        <a:srgbClr val="0070C0"/>
+                      </a:solidFill>
+                      <a:prstDash val="solid"/>
+                      <a:round/>
+                      <a:headEnd type="none" w="med" len="med"/>
+                      <a:tailEnd type="none" w="med" len="med"/>
+                    </a:lnL>
+                    <a:solidFill>
+                      <a:schemeClr val="bg1"/>
+                    </a:solidFill>
+                  </a:tcPr>
+                </a:tc>
+                <a:tc>
+                  <a:txBody>
+                    <a:bodyPr/>
+                    <a:lstStyle/>
+                    <a:p>
+                      <a:pPr latinLnBrk="1"/>
+                      <a:r>
+                        <a:rPr lang="en-US" altLang="ko-KR" sz="1000" b="0" dirty="0">
+                          <a:solidFill>
+                            <a:schemeClr val="tx1"/>
+                          </a:solidFill>
+                          <a:latin typeface="Pretendard" panose="02000503000000020004" pitchFamily="2" charset="-127"/>
+                          <a:ea typeface="Pretendard" panose="02000503000000020004" pitchFamily="2" charset="-127"/>
+                          <a:cs typeface="Pretendard" panose="02000503000000020004" pitchFamily="2" charset="-127"/>
+                        </a:rPr>
+                        <a:t>1996.09.13</a:t>
+                      </a:r>
+                      <a:endParaRPr lang="ko-KR" altLang="en-US" sz="1000" b="0" dirty="0">
+                        <a:solidFill>
+                          <a:schemeClr val="tx1"/>
+                        </a:solidFill>
+                        <a:latin typeface="Pretendard" panose="02000503000000020004" pitchFamily="2" charset="-127"/>
+                        <a:ea typeface="Pretendard" panose="02000503000000020004" pitchFamily="2" charset="-127"/>
+                        <a:cs typeface="Pretendard" panose="02000503000000020004" pitchFamily="2" charset="-127"/>
+                      </a:endParaRPr>
+                    </a:p>
+                  </a:txBody>
+                  <a:tcPr marL="45720" marR="45720" anchor="ctr">
+                    <a:solidFill>
+                      <a:schemeClr val="bg1"/>
+                    </a:solidFill>
+                  </a:tcPr>
+                </a:tc>
+                <a:extLst>
+                  <a:ext uri="{0D108BD9-81ED-4DB2-BD59-A6C34878D82A}">
+                    <a16:rowId xmlns:a16="http://schemas.microsoft.com/office/drawing/2014/main" val="2064025082"/>
+                  </a:ext>
+                </a:extLst>
+              </a:tr>
+              <a:tr h="216000">
+                <a:tc>
+                  <a:txBody>
+                    <a:bodyPr/>
+                    <a:lstStyle/>
+                    <a:p>
+                      <a:pPr algn="dist" latinLnBrk="1"/>
+                      <a:endParaRPr lang="ko-KR" altLang="en-US" sz="100" b="1" dirty="0">
+                        <a:solidFill>
+                          <a:schemeClr val="tx1"/>
+                        </a:solidFill>
+                        <a:latin typeface="Pretendard" panose="02000503000000020004" pitchFamily="2" charset="-127"/>
+                        <a:ea typeface="Pretendard" panose="02000503000000020004" pitchFamily="2" charset="-127"/>
+                        <a:cs typeface="Pretendard" panose="02000503000000020004" pitchFamily="2" charset="-127"/>
+                      </a:endParaRPr>
+                    </a:p>
+                  </a:txBody>
+                  <a:tcPr anchor="ctr">
+                    <a:solidFill>
+                      <a:schemeClr val="bg1"/>
+                    </a:solidFill>
+                  </a:tcPr>
+                </a:tc>
+                <a:tc>
+                  <a:txBody>
+                    <a:bodyPr/>
+                    <a:lstStyle/>
+                    <a:p>
+                      <a:pPr latinLnBrk="1"/>
+                      <a:endParaRPr lang="ko-KR" altLang="en-US" sz="100" b="0" dirty="0">
+                        <a:solidFill>
+                          <a:schemeClr val="tx1"/>
+                        </a:solidFill>
+                        <a:latin typeface="Pretendard" panose="02000503000000020004" pitchFamily="2" charset="-127"/>
+                        <a:ea typeface="Pretendard" panose="02000503000000020004" pitchFamily="2" charset="-127"/>
+                        <a:cs typeface="Pretendard" panose="02000503000000020004" pitchFamily="2" charset="-127"/>
+                      </a:endParaRPr>
+                    </a:p>
+                  </a:txBody>
+                  <a:tcPr marL="45720" marR="45720" anchor="ctr">
+                    <a:solidFill>
+                      <a:schemeClr val="bg1"/>
+                    </a:solidFill>
+                  </a:tcPr>
+                </a:tc>
+                <a:extLst>
+                  <a:ext uri="{0D108BD9-81ED-4DB2-BD59-A6C34878D82A}">
+                    <a16:rowId xmlns:a16="http://schemas.microsoft.com/office/drawing/2014/main" val="470753958"/>
+                  </a:ext>
+                </a:extLst>
+              </a:tr>
+              <a:tr h="216000">
+                <a:tc>
+                  <a:txBody>
+                    <a:bodyPr/>
+                    <a:lstStyle/>
+                    <a:p>
+                      <a:pPr algn="dist" latinLnBrk="1"/>
+                      <a:r>
+                        <a:rPr lang="ko-KR" altLang="en-US" sz="1000" b="1" dirty="0">
+                          <a:solidFill>
+                            <a:schemeClr val="tx1"/>
+                          </a:solidFill>
+                          <a:latin typeface="Pretendard" panose="02000503000000020004" pitchFamily="2" charset="-127"/>
+                          <a:ea typeface="Pretendard" panose="02000503000000020004" pitchFamily="2" charset="-127"/>
+                          <a:cs typeface="Pretendard" panose="02000503000000020004" pitchFamily="2" charset="-127"/>
+                        </a:rPr>
+                        <a:t>거주지 </a:t>
+                      </a:r>
+                      <a:r>
+                        <a:rPr lang="en-US" altLang="ko-KR" sz="1000" b="1" dirty="0">
+                          <a:solidFill>
+                            <a:schemeClr val="tx1"/>
+                          </a:solidFill>
+                          <a:latin typeface="Pretendard" panose="02000503000000020004" pitchFamily="2" charset="-127"/>
+                          <a:ea typeface="Pretendard" panose="02000503000000020004" pitchFamily="2" charset="-127"/>
+                          <a:cs typeface="Pretendard" panose="02000503000000020004" pitchFamily="2" charset="-127"/>
+                        </a:rPr>
+                        <a:t>:</a:t>
+                      </a:r>
+                      <a:endParaRPr lang="ko-KR" altLang="en-US" sz="1000" b="1" dirty="0">
+                        <a:solidFill>
+                          <a:schemeClr val="tx1"/>
+                        </a:solidFill>
+                        <a:latin typeface="Pretendard" panose="02000503000000020004" pitchFamily="2" charset="-127"/>
+                        <a:ea typeface="Pretendard" panose="02000503000000020004" pitchFamily="2" charset="-127"/>
+                        <a:cs typeface="Pretendard" panose="02000503000000020004" pitchFamily="2" charset="-127"/>
+                      </a:endParaRPr>
+                    </a:p>
+                  </a:txBody>
+                  <a:tcPr anchor="ctr">
+                    <a:lnL w="19050" cap="flat" cmpd="sng" algn="ctr">
+                      <a:solidFill>
+                        <a:srgbClr val="0070C0"/>
+                      </a:solidFill>
+                      <a:prstDash val="solid"/>
+                      <a:round/>
+                      <a:headEnd type="none" w="med" len="med"/>
+                      <a:tailEnd type="none" w="med" len="med"/>
+                    </a:lnL>
+                    <a:solidFill>
+                      <a:schemeClr val="bg1"/>
+                    </a:solidFill>
+                  </a:tcPr>
+                </a:tc>
+                <a:tc>
+                  <a:txBody>
+                    <a:bodyPr/>
+                    <a:lstStyle/>
+                    <a:p>
+                      <a:pPr latinLnBrk="1"/>
+                      <a:r>
+                        <a:rPr lang="ko-KR" altLang="en-US" sz="1000" b="0" dirty="0">
+                          <a:solidFill>
+                            <a:schemeClr val="tx1"/>
+                          </a:solidFill>
+                          <a:latin typeface="Pretendard" panose="02000503000000020004" pitchFamily="2" charset="-127"/>
+                          <a:ea typeface="Pretendard" panose="02000503000000020004" pitchFamily="2" charset="-127"/>
+                          <a:cs typeface="Pretendard" panose="02000503000000020004" pitchFamily="2" charset="-127"/>
+                        </a:rPr>
+                        <a:t>경기도 광명시</a:t>
+                      </a:r>
+                    </a:p>
+                  </a:txBody>
+                  <a:tcPr marL="45720" marR="45720" anchor="ctr">
+                    <a:solidFill>
+                      <a:schemeClr val="bg1"/>
+                    </a:solidFill>
+                  </a:tcPr>
+                </a:tc>
+                <a:extLst>
+                  <a:ext uri="{0D108BD9-81ED-4DB2-BD59-A6C34878D82A}">
+                    <a16:rowId xmlns:a16="http://schemas.microsoft.com/office/drawing/2014/main" val="3802757590"/>
+                  </a:ext>
+                </a:extLst>
+              </a:tr>
+              <a:tr h="216000">
+                <a:tc>
+                  <a:txBody>
+                    <a:bodyPr/>
+                    <a:lstStyle/>
+                    <a:p>
+                      <a:pPr algn="dist" latinLnBrk="1"/>
+                      <a:endParaRPr lang="ko-KR" altLang="en-US" sz="100" b="1" dirty="0">
+                        <a:solidFill>
+                          <a:schemeClr val="tx1"/>
+                        </a:solidFill>
+                        <a:latin typeface="Pretendard" panose="02000503000000020004" pitchFamily="2" charset="-127"/>
+                        <a:ea typeface="Pretendard" panose="02000503000000020004" pitchFamily="2" charset="-127"/>
+                        <a:cs typeface="Pretendard" panose="02000503000000020004" pitchFamily="2" charset="-127"/>
+                      </a:endParaRPr>
+                    </a:p>
+                  </a:txBody>
+                  <a:tcPr anchor="ctr">
+                    <a:solidFill>
+                      <a:schemeClr val="bg1"/>
+                    </a:solidFill>
+                  </a:tcPr>
+                </a:tc>
+                <a:tc>
+                  <a:txBody>
+                    <a:bodyPr/>
+                    <a:lstStyle/>
+                    <a:p>
+                      <a:pPr latinLnBrk="1"/>
+                      <a:endParaRPr lang="ko-KR" altLang="en-US" sz="100" b="0" dirty="0">
+                        <a:solidFill>
+                          <a:schemeClr val="tx1"/>
+                        </a:solidFill>
+                        <a:latin typeface="Pretendard" panose="02000503000000020004" pitchFamily="2" charset="-127"/>
+                        <a:ea typeface="Pretendard" panose="02000503000000020004" pitchFamily="2" charset="-127"/>
+                        <a:cs typeface="Pretendard" panose="02000503000000020004" pitchFamily="2" charset="-127"/>
+                      </a:endParaRPr>
+                    </a:p>
+                  </a:txBody>
+                  <a:tcPr marL="45720" marR="45720" anchor="ctr">
+                    <a:solidFill>
+                      <a:schemeClr val="bg1"/>
+                    </a:solidFill>
+                  </a:tcPr>
+                </a:tc>
+                <a:extLst>
+                  <a:ext uri="{0D108BD9-81ED-4DB2-BD59-A6C34878D82A}">
+                    <a16:rowId xmlns:a16="http://schemas.microsoft.com/office/drawing/2014/main" val="3148324834"/>
+                  </a:ext>
+                </a:extLst>
+              </a:tr>
+              <a:tr h="216000">
+                <a:tc>
+                  <a:txBody>
+                    <a:bodyPr/>
+                    <a:lstStyle/>
+                    <a:p>
+                      <a:pPr algn="dist" latinLnBrk="1"/>
+                      <a:r>
+                        <a:rPr lang="ko-KR" altLang="en-US" sz="1000" b="1" dirty="0">
+                          <a:solidFill>
+                            <a:schemeClr val="tx1"/>
+                          </a:solidFill>
+                          <a:latin typeface="Pretendard" panose="02000503000000020004" pitchFamily="2" charset="-127"/>
+                          <a:ea typeface="Pretendard" panose="02000503000000020004" pitchFamily="2" charset="-127"/>
+                          <a:cs typeface="Pretendard" panose="02000503000000020004" pitchFamily="2" charset="-127"/>
+                        </a:rPr>
+                        <a:t>연락처 </a:t>
+                      </a:r>
+                      <a:r>
+                        <a:rPr lang="en-US" altLang="ko-KR" sz="1000" b="1" dirty="0">
+                          <a:solidFill>
+                            <a:schemeClr val="tx1"/>
+                          </a:solidFill>
+                          <a:latin typeface="Pretendard" panose="02000503000000020004" pitchFamily="2" charset="-127"/>
+                          <a:ea typeface="Pretendard" panose="02000503000000020004" pitchFamily="2" charset="-127"/>
+                          <a:cs typeface="Pretendard" panose="02000503000000020004" pitchFamily="2" charset="-127"/>
+                        </a:rPr>
+                        <a:t>:</a:t>
+                      </a:r>
+                      <a:endParaRPr lang="ko-KR" altLang="en-US" sz="1000" b="1" dirty="0">
+                        <a:solidFill>
+                          <a:schemeClr val="tx1"/>
+                        </a:solidFill>
+                        <a:latin typeface="Pretendard" panose="02000503000000020004" pitchFamily="2" charset="-127"/>
+                        <a:ea typeface="Pretendard" panose="02000503000000020004" pitchFamily="2" charset="-127"/>
+                        <a:cs typeface="Pretendard" panose="02000503000000020004" pitchFamily="2" charset="-127"/>
+                      </a:endParaRPr>
+                    </a:p>
+                  </a:txBody>
+                  <a:tcPr anchor="ctr">
+                    <a:lnL w="19050" cap="flat" cmpd="sng" algn="ctr">
+                      <a:solidFill>
+                        <a:srgbClr val="0070C0"/>
+                      </a:solidFill>
+                      <a:prstDash val="solid"/>
+                      <a:round/>
+                      <a:headEnd type="none" w="med" len="med"/>
+                      <a:tailEnd type="none" w="med" len="med"/>
+                    </a:lnL>
+                    <a:solidFill>
+                      <a:schemeClr val="bg1"/>
+                    </a:solidFill>
+                  </a:tcPr>
+                </a:tc>
+                <a:tc>
+                  <a:txBody>
+                    <a:bodyPr/>
+                    <a:lstStyle/>
+                    <a:p>
+                      <a:pPr latinLnBrk="1"/>
+                      <a:r>
+                        <a:rPr lang="en-US" altLang="ko-KR" sz="1000" b="0" dirty="0">
+                          <a:solidFill>
+                            <a:schemeClr val="tx1"/>
+                          </a:solidFill>
+                          <a:latin typeface="Pretendard" panose="02000503000000020004" pitchFamily="2" charset="-127"/>
+                          <a:ea typeface="Pretendard" panose="02000503000000020004" pitchFamily="2" charset="-127"/>
+                          <a:cs typeface="Pretendard" panose="02000503000000020004" pitchFamily="2" charset="-127"/>
+                        </a:rPr>
+                        <a:t>010-2052-2419</a:t>
+                      </a:r>
+                      <a:endParaRPr lang="ko-KR" altLang="en-US" sz="1000" b="0" dirty="0">
+                        <a:solidFill>
+                          <a:schemeClr val="tx1"/>
+                        </a:solidFill>
+                        <a:latin typeface="Pretendard" panose="02000503000000020004" pitchFamily="2" charset="-127"/>
+                        <a:ea typeface="Pretendard" panose="02000503000000020004" pitchFamily="2" charset="-127"/>
+                        <a:cs typeface="Pretendard" panose="02000503000000020004" pitchFamily="2" charset="-127"/>
+                      </a:endParaRPr>
+                    </a:p>
+                  </a:txBody>
+                  <a:tcPr marL="45720" marR="45720" anchor="ctr">
+                    <a:solidFill>
+                      <a:schemeClr val="bg1"/>
+                    </a:solidFill>
+                  </a:tcPr>
+                </a:tc>
+                <a:extLst>
+                  <a:ext uri="{0D108BD9-81ED-4DB2-BD59-A6C34878D82A}">
+                    <a16:rowId xmlns:a16="http://schemas.microsoft.com/office/drawing/2014/main" val="4182599097"/>
+                  </a:ext>
+                </a:extLst>
+              </a:tr>
+            </a:tbl>
+          </a:graphicData>
+        </a:graphic>
+      </p:graphicFrame>
+      <p:graphicFrame>
+        <p:nvGraphicFramePr>
+          <p:cNvPr id="14" name="표 13">
+            <a:extLst>
+              <a:ext uri="{FF2B5EF4-FFF2-40B4-BE49-F238E27FC236}">
+                <a16:creationId xmlns:a16="http://schemas.microsoft.com/office/drawing/2014/main" id="{4BCE1474-510C-B72A-F29E-63376350A8CD}"/>
+              </a:ext>
+            </a:extLst>
+          </p:cNvPr>
+          <p:cNvGraphicFramePr>
+            <a:graphicFrameLocks noGrp="1"/>
+          </p:cNvGraphicFramePr>
+          <p:nvPr>
+            <p:extLst>
+              <p:ext uri="{D42A27DB-BD31-4B8C-83A1-F6EECF244321}">
+                <p14:modId xmlns:p14="http://schemas.microsoft.com/office/powerpoint/2010/main" val="3203390900"/>
+              </p:ext>
+            </p:extLst>
+          </p:nvPr>
+        </p:nvGraphicFramePr>
+        <p:xfrm>
+          <a:off x="4229024" y="1713186"/>
+          <a:ext cx="3275743" cy="1587360"/>
+        </p:xfrm>
+        <a:graphic>
+          <a:graphicData uri="http://schemas.openxmlformats.org/drawingml/2006/table">
+            <a:tbl>
+              <a:tblPr firstRow="1" bandRow="1">
+                <a:tableStyleId>{5C22544A-7EE6-4342-B048-85BDC9FD1C3A}</a:tableStyleId>
+              </a:tblPr>
+              <a:tblGrid>
+                <a:gridCol w="780159">
+                  <a:extLst>
+                    <a:ext uri="{9D8B030D-6E8A-4147-A177-3AD203B41FA5}">
+                      <a16:colId xmlns:a16="http://schemas.microsoft.com/office/drawing/2014/main" val="1073248805"/>
+                    </a:ext>
+                  </a:extLst>
+                </a:gridCol>
+                <a:gridCol w="2495584">
+                  <a:extLst>
+                    <a:ext uri="{9D8B030D-6E8A-4147-A177-3AD203B41FA5}">
+                      <a16:colId xmlns:a16="http://schemas.microsoft.com/office/drawing/2014/main" val="60372332"/>
+                    </a:ext>
+                  </a:extLst>
+                </a:gridCol>
+              </a:tblGrid>
+              <a:tr h="216000">
+                <a:tc>
+                  <a:txBody>
+                    <a:bodyPr/>
+                    <a:lstStyle/>
+                    <a:p>
+                      <a:pPr algn="dist" latinLnBrk="1"/>
+                      <a:r>
+                        <a:rPr lang="ko-KR" altLang="en-US" sz="1000" b="1" dirty="0">
+                          <a:solidFill>
+                            <a:schemeClr val="tx1"/>
+                          </a:solidFill>
+                          <a:latin typeface="Pretendard" panose="02000503000000020004" pitchFamily="2" charset="-127"/>
+                          <a:ea typeface="Pretendard" panose="02000503000000020004" pitchFamily="2" charset="-127"/>
+                          <a:cs typeface="Pretendard" panose="02000503000000020004" pitchFamily="2" charset="-127"/>
+                        </a:rPr>
+                        <a:t>전공 </a:t>
+                      </a:r>
+                      <a:r>
+                        <a:rPr lang="en-US" altLang="ko-KR" sz="1000" b="1" dirty="0">
+                          <a:solidFill>
+                            <a:schemeClr val="tx1"/>
+                          </a:solidFill>
+                          <a:latin typeface="Pretendard" panose="02000503000000020004" pitchFamily="2" charset="-127"/>
+                          <a:ea typeface="Pretendard" panose="02000503000000020004" pitchFamily="2" charset="-127"/>
+                          <a:cs typeface="Pretendard" panose="02000503000000020004" pitchFamily="2" charset="-127"/>
+                        </a:rPr>
+                        <a:t>:</a:t>
+                      </a:r>
+                    </a:p>
+                  </a:txBody>
+                  <a:tcPr anchor="ctr">
+                    <a:lnL w="19050" cap="flat" cmpd="sng" algn="ctr">
+                      <a:solidFill>
+                        <a:srgbClr val="0070C0"/>
+                      </a:solidFill>
+                      <a:prstDash val="solid"/>
+                      <a:round/>
+                      <a:headEnd type="none" w="med" len="med"/>
+                      <a:tailEnd type="none" w="med" len="med"/>
+                    </a:lnL>
+                    <a:solidFill>
+                      <a:schemeClr val="bg1"/>
+                    </a:solidFill>
+                  </a:tcPr>
+                </a:tc>
+                <a:tc>
+                  <a:txBody>
+                    <a:bodyPr/>
+                    <a:lstStyle/>
+                    <a:p>
+                      <a:pPr latinLnBrk="1"/>
+                      <a:r>
+                        <a:rPr lang="ko-KR" altLang="en-US" sz="1000" b="0" dirty="0">
+                          <a:solidFill>
+                            <a:schemeClr val="tx1"/>
+                          </a:solidFill>
+                          <a:latin typeface="Pretendard" panose="02000503000000020004" pitchFamily="2" charset="-127"/>
+                          <a:ea typeface="Pretendard" panose="02000503000000020004" pitchFamily="2" charset="-127"/>
+                          <a:cs typeface="Pretendard" panose="02000503000000020004" pitchFamily="2" charset="-127"/>
+                        </a:rPr>
+                        <a:t>한국공학대학교 게임공학과</a:t>
+                      </a:r>
+                    </a:p>
+                  </a:txBody>
+                  <a:tcPr marL="45720" marR="45720" anchor="ctr">
+                    <a:solidFill>
+                      <a:schemeClr val="bg1"/>
+                    </a:solidFill>
+                  </a:tcPr>
+                </a:tc>
+                <a:extLst>
+                  <a:ext uri="{0D108BD9-81ED-4DB2-BD59-A6C34878D82A}">
+                    <a16:rowId xmlns:a16="http://schemas.microsoft.com/office/drawing/2014/main" val="1586012168"/>
+                  </a:ext>
+                </a:extLst>
+              </a:tr>
+              <a:tr h="180000">
+                <a:tc>
+                  <a:txBody>
+                    <a:bodyPr/>
+                    <a:lstStyle/>
+                    <a:p>
+                      <a:pPr algn="dist" latinLnBrk="1"/>
+                      <a:endParaRPr lang="en-US" altLang="ko-KR" sz="100" b="1" dirty="0">
+                        <a:solidFill>
+                          <a:schemeClr val="tx1"/>
+                        </a:solidFill>
+                        <a:latin typeface="Pretendard" panose="02000503000000020004" pitchFamily="2" charset="-127"/>
+                        <a:ea typeface="Pretendard" panose="02000503000000020004" pitchFamily="2" charset="-127"/>
+                        <a:cs typeface="Pretendard" panose="02000503000000020004" pitchFamily="2" charset="-127"/>
+                      </a:endParaRPr>
+                    </a:p>
+                  </a:txBody>
+                  <a:tcPr anchor="ctr">
+                    <a:solidFill>
+                      <a:schemeClr val="bg1"/>
+                    </a:solidFill>
+                  </a:tcPr>
+                </a:tc>
+                <a:tc>
+                  <a:txBody>
+                    <a:bodyPr/>
+                    <a:lstStyle/>
+                    <a:p>
+                      <a:pPr latinLnBrk="1"/>
+                      <a:endParaRPr lang="ko-KR" altLang="en-US" sz="100" b="0" dirty="0">
+                        <a:solidFill>
+                          <a:schemeClr val="tx1"/>
+                        </a:solidFill>
+                        <a:latin typeface="Pretendard" panose="02000503000000020004" pitchFamily="2" charset="-127"/>
+                        <a:ea typeface="Pretendard" panose="02000503000000020004" pitchFamily="2" charset="-127"/>
+                        <a:cs typeface="Pretendard" panose="02000503000000020004" pitchFamily="2" charset="-127"/>
+                      </a:endParaRPr>
+                    </a:p>
+                  </a:txBody>
+                  <a:tcPr marL="45720" marR="45720" anchor="ctr">
+                    <a:solidFill>
+                      <a:schemeClr val="bg1"/>
+                    </a:solidFill>
+                  </a:tcPr>
+                </a:tc>
+                <a:extLst>
+                  <a:ext uri="{0D108BD9-81ED-4DB2-BD59-A6C34878D82A}">
+                    <a16:rowId xmlns:a16="http://schemas.microsoft.com/office/drawing/2014/main" val="385975484"/>
+                  </a:ext>
+                </a:extLst>
+              </a:tr>
+              <a:tr h="216000">
+                <a:tc>
+                  <a:txBody>
+                    <a:bodyPr/>
+                    <a:lstStyle/>
+                    <a:p>
+                      <a:pPr algn="dist" latinLnBrk="1"/>
+                      <a:r>
+                        <a:rPr lang="ko-KR" altLang="en-US" sz="1000" b="1" dirty="0">
+                          <a:solidFill>
+                            <a:schemeClr val="tx1"/>
+                          </a:solidFill>
+                          <a:latin typeface="Pretendard" panose="02000503000000020004" pitchFamily="2" charset="-127"/>
+                          <a:ea typeface="Pretendard" panose="02000503000000020004" pitchFamily="2" charset="-127"/>
+                          <a:cs typeface="Pretendard" panose="02000503000000020004" pitchFamily="2" charset="-127"/>
+                        </a:rPr>
+                        <a:t>경력사항 </a:t>
+                      </a:r>
+                      <a:r>
+                        <a:rPr lang="en-US" altLang="ko-KR" sz="1000" b="1" dirty="0">
+                          <a:solidFill>
+                            <a:schemeClr val="tx1"/>
+                          </a:solidFill>
+                          <a:latin typeface="Pretendard" panose="02000503000000020004" pitchFamily="2" charset="-127"/>
+                          <a:ea typeface="Pretendard" panose="02000503000000020004" pitchFamily="2" charset="-127"/>
+                          <a:cs typeface="Pretendard" panose="02000503000000020004" pitchFamily="2" charset="-127"/>
+                        </a:rPr>
+                        <a:t>:</a:t>
+                      </a:r>
+                      <a:endParaRPr lang="ko-KR" altLang="en-US" sz="1000" b="1" dirty="0">
+                        <a:solidFill>
+                          <a:schemeClr val="tx1"/>
+                        </a:solidFill>
+                        <a:latin typeface="Pretendard" panose="02000503000000020004" pitchFamily="2" charset="-127"/>
+                        <a:ea typeface="Pretendard" panose="02000503000000020004" pitchFamily="2" charset="-127"/>
+                        <a:cs typeface="Pretendard" panose="02000503000000020004" pitchFamily="2" charset="-127"/>
+                      </a:endParaRPr>
+                    </a:p>
+                  </a:txBody>
+                  <a:tcPr anchor="ctr">
+                    <a:lnL w="19050" cap="flat" cmpd="sng" algn="ctr">
+                      <a:solidFill>
+                        <a:srgbClr val="0070C0"/>
+                      </a:solidFill>
+                      <a:prstDash val="solid"/>
+                      <a:round/>
+                      <a:headEnd type="none" w="med" len="med"/>
+                      <a:tailEnd type="none" w="med" len="med"/>
+                    </a:lnL>
+                    <a:solidFill>
+                      <a:schemeClr val="bg1"/>
+                    </a:solidFill>
+                  </a:tcPr>
+                </a:tc>
+                <a:tc>
+                  <a:txBody>
+                    <a:bodyPr/>
+                    <a:lstStyle/>
+                    <a:p>
+                      <a:pPr latinLnBrk="1"/>
+                      <a:r>
+                        <a:rPr lang="ko-KR" altLang="en-US" sz="1000" b="0" dirty="0">
+                          <a:solidFill>
+                            <a:schemeClr val="tx1"/>
+                          </a:solidFill>
+                          <a:latin typeface="Pretendard" panose="02000503000000020004" pitchFamily="2" charset="-127"/>
+                          <a:ea typeface="Pretendard" panose="02000503000000020004" pitchFamily="2" charset="-127"/>
+                          <a:cs typeface="Pretendard" panose="02000503000000020004" pitchFamily="2" charset="-127"/>
+                        </a:rPr>
+                        <a:t>신입</a:t>
+                      </a:r>
+                    </a:p>
+                  </a:txBody>
+                  <a:tcPr marL="45720" marR="45720" anchor="ctr">
+                    <a:solidFill>
+                      <a:schemeClr val="bg1"/>
+                    </a:solidFill>
+                  </a:tcPr>
+                </a:tc>
+                <a:extLst>
+                  <a:ext uri="{0D108BD9-81ED-4DB2-BD59-A6C34878D82A}">
+                    <a16:rowId xmlns:a16="http://schemas.microsoft.com/office/drawing/2014/main" val="2064025082"/>
+                  </a:ext>
+                </a:extLst>
+              </a:tr>
+              <a:tr h="216000">
+                <a:tc>
+                  <a:txBody>
+                    <a:bodyPr/>
+                    <a:lstStyle/>
+                    <a:p>
+                      <a:pPr algn="dist" latinLnBrk="1"/>
+                      <a:endParaRPr lang="ko-KR" altLang="en-US" sz="100" b="1" dirty="0">
+                        <a:solidFill>
+                          <a:schemeClr val="tx1"/>
+                        </a:solidFill>
+                        <a:latin typeface="Pretendard" panose="02000503000000020004" pitchFamily="2" charset="-127"/>
+                        <a:ea typeface="Pretendard" panose="02000503000000020004" pitchFamily="2" charset="-127"/>
+                        <a:cs typeface="Pretendard" panose="02000503000000020004" pitchFamily="2" charset="-127"/>
+                      </a:endParaRPr>
+                    </a:p>
+                  </a:txBody>
+                  <a:tcPr anchor="ctr">
+                    <a:solidFill>
+                      <a:schemeClr val="bg1"/>
+                    </a:solidFill>
+                  </a:tcPr>
+                </a:tc>
+                <a:tc>
+                  <a:txBody>
+                    <a:bodyPr/>
+                    <a:lstStyle/>
+                    <a:p>
+                      <a:pPr latinLnBrk="1"/>
+                      <a:endParaRPr lang="ko-KR" altLang="en-US" sz="100" b="0" dirty="0">
+                        <a:solidFill>
+                          <a:schemeClr val="tx1"/>
+                        </a:solidFill>
+                        <a:latin typeface="Pretendard" panose="02000503000000020004" pitchFamily="2" charset="-127"/>
+                        <a:ea typeface="Pretendard" panose="02000503000000020004" pitchFamily="2" charset="-127"/>
+                        <a:cs typeface="Pretendard" panose="02000503000000020004" pitchFamily="2" charset="-127"/>
+                      </a:endParaRPr>
+                    </a:p>
+                  </a:txBody>
+                  <a:tcPr marL="45720" marR="45720" anchor="ctr">
+                    <a:solidFill>
+                      <a:schemeClr val="bg1"/>
+                    </a:solidFill>
+                  </a:tcPr>
+                </a:tc>
+                <a:extLst>
+                  <a:ext uri="{0D108BD9-81ED-4DB2-BD59-A6C34878D82A}">
+                    <a16:rowId xmlns:a16="http://schemas.microsoft.com/office/drawing/2014/main" val="470753958"/>
+                  </a:ext>
+                </a:extLst>
+              </a:tr>
+              <a:tr h="216000">
+                <a:tc>
+                  <a:txBody>
+                    <a:bodyPr/>
+                    <a:lstStyle/>
+                    <a:p>
+                      <a:pPr algn="dist" latinLnBrk="1"/>
+                      <a:r>
+                        <a:rPr lang="ko-KR" altLang="en-US" sz="1000" b="1" dirty="0">
+                          <a:solidFill>
+                            <a:schemeClr val="tx1"/>
+                          </a:solidFill>
+                          <a:latin typeface="Pretendard" panose="02000503000000020004" pitchFamily="2" charset="-127"/>
+                          <a:ea typeface="Pretendard" panose="02000503000000020004" pitchFamily="2" charset="-127"/>
+                          <a:cs typeface="Pretendard" panose="02000503000000020004" pitchFamily="2" charset="-127"/>
+                        </a:rPr>
+                        <a:t>병역사항 </a:t>
+                      </a:r>
+                      <a:r>
+                        <a:rPr lang="en-US" altLang="ko-KR" sz="1000" b="1" dirty="0">
+                          <a:solidFill>
+                            <a:schemeClr val="tx1"/>
+                          </a:solidFill>
+                          <a:latin typeface="Pretendard" panose="02000503000000020004" pitchFamily="2" charset="-127"/>
+                          <a:ea typeface="Pretendard" panose="02000503000000020004" pitchFamily="2" charset="-127"/>
+                          <a:cs typeface="Pretendard" panose="02000503000000020004" pitchFamily="2" charset="-127"/>
+                        </a:rPr>
+                        <a:t>:</a:t>
+                      </a:r>
+                      <a:endParaRPr lang="ko-KR" altLang="en-US" sz="1000" b="1" dirty="0">
+                        <a:solidFill>
+                          <a:schemeClr val="tx1"/>
+                        </a:solidFill>
+                        <a:latin typeface="Pretendard" panose="02000503000000020004" pitchFamily="2" charset="-127"/>
+                        <a:ea typeface="Pretendard" panose="02000503000000020004" pitchFamily="2" charset="-127"/>
+                        <a:cs typeface="Pretendard" panose="02000503000000020004" pitchFamily="2" charset="-127"/>
+                      </a:endParaRPr>
+                    </a:p>
+                  </a:txBody>
+                  <a:tcPr anchor="ctr">
+                    <a:lnL w="19050" cap="flat" cmpd="sng" algn="ctr">
+                      <a:solidFill>
+                        <a:srgbClr val="0070C0"/>
+                      </a:solidFill>
+                      <a:prstDash val="solid"/>
+                      <a:round/>
+                      <a:headEnd type="none" w="med" len="med"/>
+                      <a:tailEnd type="none" w="med" len="med"/>
+                    </a:lnL>
+                    <a:solidFill>
+                      <a:schemeClr val="bg1"/>
+                    </a:solidFill>
+                  </a:tcPr>
+                </a:tc>
+                <a:tc>
+                  <a:txBody>
+                    <a:bodyPr/>
+                    <a:lstStyle/>
+                    <a:p>
+                      <a:pPr latinLnBrk="1"/>
+                      <a:r>
+                        <a:rPr lang="ko-KR" altLang="en-US" sz="1000" b="0" dirty="0" err="1">
+                          <a:solidFill>
+                            <a:schemeClr val="tx1"/>
+                          </a:solidFill>
+                          <a:latin typeface="Pretendard" panose="02000503000000020004" pitchFamily="2" charset="-127"/>
+                          <a:ea typeface="Pretendard" panose="02000503000000020004" pitchFamily="2" charset="-127"/>
+                          <a:cs typeface="Pretendard" panose="02000503000000020004" pitchFamily="2" charset="-127"/>
+                        </a:rPr>
+                        <a:t>군필</a:t>
+                      </a:r>
+                      <a:r>
+                        <a:rPr lang="ko-KR" altLang="en-US" sz="1000" b="0" dirty="0">
+                          <a:solidFill>
+                            <a:schemeClr val="tx1"/>
+                          </a:solidFill>
+                          <a:latin typeface="Pretendard" panose="02000503000000020004" pitchFamily="2" charset="-127"/>
+                          <a:ea typeface="Pretendard" panose="02000503000000020004" pitchFamily="2" charset="-127"/>
+                          <a:cs typeface="Pretendard" panose="02000503000000020004" pitchFamily="2" charset="-127"/>
+                        </a:rPr>
+                        <a:t> </a:t>
+                      </a:r>
+                      <a:r>
+                        <a:rPr lang="en-US" altLang="ko-KR" sz="1000" b="0" dirty="0">
+                          <a:solidFill>
+                            <a:schemeClr val="tx1"/>
+                          </a:solidFill>
+                          <a:latin typeface="Pretendard" panose="02000503000000020004" pitchFamily="2" charset="-127"/>
+                          <a:ea typeface="Pretendard" panose="02000503000000020004" pitchFamily="2" charset="-127"/>
+                          <a:cs typeface="Pretendard" panose="02000503000000020004" pitchFamily="2" charset="-127"/>
+                        </a:rPr>
+                        <a:t>(</a:t>
+                      </a:r>
+                      <a:r>
+                        <a:rPr lang="ko-KR" altLang="en-US" sz="1000" b="0" dirty="0">
+                          <a:solidFill>
+                            <a:schemeClr val="tx1"/>
+                          </a:solidFill>
+                          <a:latin typeface="Pretendard" panose="02000503000000020004" pitchFamily="2" charset="-127"/>
+                          <a:ea typeface="Pretendard" panose="02000503000000020004" pitchFamily="2" charset="-127"/>
+                          <a:cs typeface="Pretendard" panose="02000503000000020004" pitchFamily="2" charset="-127"/>
+                        </a:rPr>
+                        <a:t>육군 만기전역 </a:t>
+                      </a:r>
+                      <a:r>
+                        <a:rPr lang="en-US" altLang="ko-KR" sz="1000" b="0" dirty="0">
+                          <a:solidFill>
+                            <a:schemeClr val="tx1"/>
+                          </a:solidFill>
+                          <a:latin typeface="Pretendard" panose="02000503000000020004" pitchFamily="2" charset="-127"/>
+                          <a:ea typeface="Pretendard" panose="02000503000000020004" pitchFamily="2" charset="-127"/>
+                          <a:cs typeface="Pretendard" panose="02000503000000020004" pitchFamily="2" charset="-127"/>
+                        </a:rPr>
+                        <a:t>/ 2019.06 ~ 2021.01)</a:t>
+                      </a:r>
+                      <a:endParaRPr lang="ko-KR" altLang="en-US" sz="1000" b="0" dirty="0">
+                        <a:solidFill>
+                          <a:schemeClr val="tx1"/>
+                        </a:solidFill>
+                        <a:latin typeface="Pretendard" panose="02000503000000020004" pitchFamily="2" charset="-127"/>
+                        <a:ea typeface="Pretendard" panose="02000503000000020004" pitchFamily="2" charset="-127"/>
+                        <a:cs typeface="Pretendard" panose="02000503000000020004" pitchFamily="2" charset="-127"/>
+                      </a:endParaRPr>
+                    </a:p>
+                  </a:txBody>
+                  <a:tcPr marL="45720" marR="45720" anchor="ctr">
+                    <a:solidFill>
+                      <a:schemeClr val="bg1"/>
+                    </a:solidFill>
+                  </a:tcPr>
+                </a:tc>
+                <a:extLst>
+                  <a:ext uri="{0D108BD9-81ED-4DB2-BD59-A6C34878D82A}">
+                    <a16:rowId xmlns:a16="http://schemas.microsoft.com/office/drawing/2014/main" val="3802757590"/>
+                  </a:ext>
+                </a:extLst>
+              </a:tr>
+              <a:tr h="216000">
+                <a:tc>
+                  <a:txBody>
+                    <a:bodyPr/>
+                    <a:lstStyle/>
+                    <a:p>
+                      <a:pPr algn="dist" latinLnBrk="1"/>
+                      <a:endParaRPr lang="ko-KR" altLang="en-US" sz="100" b="1" dirty="0">
+                        <a:solidFill>
+                          <a:schemeClr val="tx1"/>
+                        </a:solidFill>
+                        <a:latin typeface="Pretendard" panose="02000503000000020004" pitchFamily="2" charset="-127"/>
+                        <a:ea typeface="Pretendard" panose="02000503000000020004" pitchFamily="2" charset="-127"/>
+                        <a:cs typeface="Pretendard" panose="02000503000000020004" pitchFamily="2" charset="-127"/>
+                      </a:endParaRPr>
+                    </a:p>
+                  </a:txBody>
+                  <a:tcPr anchor="ctr">
+                    <a:solidFill>
+                      <a:schemeClr val="bg1"/>
+                    </a:solidFill>
+                  </a:tcPr>
+                </a:tc>
+                <a:tc>
+                  <a:txBody>
+                    <a:bodyPr/>
+                    <a:lstStyle/>
+                    <a:p>
+                      <a:pPr latinLnBrk="1"/>
+                      <a:endParaRPr lang="ko-KR" altLang="en-US" sz="100" b="0" dirty="0">
+                        <a:solidFill>
+                          <a:schemeClr val="tx1"/>
+                        </a:solidFill>
+                        <a:latin typeface="Pretendard" panose="02000503000000020004" pitchFamily="2" charset="-127"/>
+                        <a:ea typeface="Pretendard" panose="02000503000000020004" pitchFamily="2" charset="-127"/>
+                        <a:cs typeface="Pretendard" panose="02000503000000020004" pitchFamily="2" charset="-127"/>
+                      </a:endParaRPr>
+                    </a:p>
+                  </a:txBody>
+                  <a:tcPr marL="45720" marR="45720" anchor="ctr">
+                    <a:solidFill>
+                      <a:schemeClr val="bg1"/>
+                    </a:solidFill>
+                  </a:tcPr>
+                </a:tc>
+                <a:extLst>
+                  <a:ext uri="{0D108BD9-81ED-4DB2-BD59-A6C34878D82A}">
+                    <a16:rowId xmlns:a16="http://schemas.microsoft.com/office/drawing/2014/main" val="3148324834"/>
+                  </a:ext>
+                </a:extLst>
+              </a:tr>
+              <a:tr h="216000">
+                <a:tc>
+                  <a:txBody>
+                    <a:bodyPr/>
+                    <a:lstStyle/>
+                    <a:p>
+                      <a:pPr algn="dist" latinLnBrk="1"/>
+                      <a:r>
+                        <a:rPr lang="ko-KR" altLang="en-US" sz="1000" b="1" dirty="0">
+                          <a:solidFill>
+                            <a:schemeClr val="tx1"/>
+                          </a:solidFill>
+                          <a:latin typeface="Pretendard" panose="02000503000000020004" pitchFamily="2" charset="-127"/>
+                          <a:ea typeface="Pretendard" panose="02000503000000020004" pitchFamily="2" charset="-127"/>
+                          <a:cs typeface="Pretendard" panose="02000503000000020004" pitchFamily="2" charset="-127"/>
+                        </a:rPr>
+                        <a:t>이메일 </a:t>
+                      </a:r>
+                      <a:r>
+                        <a:rPr lang="en-US" altLang="ko-KR" sz="1000" b="1" dirty="0">
+                          <a:solidFill>
+                            <a:schemeClr val="tx1"/>
+                          </a:solidFill>
+                          <a:latin typeface="Pretendard" panose="02000503000000020004" pitchFamily="2" charset="-127"/>
+                          <a:ea typeface="Pretendard" panose="02000503000000020004" pitchFamily="2" charset="-127"/>
+                          <a:cs typeface="Pretendard" panose="02000503000000020004" pitchFamily="2" charset="-127"/>
+                        </a:rPr>
+                        <a:t>:</a:t>
+                      </a:r>
+                      <a:endParaRPr lang="ko-KR" altLang="en-US" sz="1000" b="1" dirty="0">
+                        <a:solidFill>
+                          <a:schemeClr val="tx1"/>
+                        </a:solidFill>
+                        <a:latin typeface="Pretendard" panose="02000503000000020004" pitchFamily="2" charset="-127"/>
+                        <a:ea typeface="Pretendard" panose="02000503000000020004" pitchFamily="2" charset="-127"/>
+                        <a:cs typeface="Pretendard" panose="02000503000000020004" pitchFamily="2" charset="-127"/>
+                      </a:endParaRPr>
+                    </a:p>
+                  </a:txBody>
+                  <a:tcPr anchor="ctr">
+                    <a:lnL w="19050" cap="flat" cmpd="sng" algn="ctr">
+                      <a:solidFill>
+                        <a:srgbClr val="0070C0"/>
+                      </a:solidFill>
+                      <a:prstDash val="solid"/>
+                      <a:round/>
+                      <a:headEnd type="none" w="med" len="med"/>
+                      <a:tailEnd type="none" w="med" len="med"/>
+                    </a:lnL>
+                    <a:solidFill>
+                      <a:schemeClr val="bg1"/>
+                    </a:solidFill>
+                  </a:tcPr>
+                </a:tc>
+                <a:tc>
+                  <a:txBody>
+                    <a:bodyPr/>
+                    <a:lstStyle/>
+                    <a:p>
+                      <a:pPr latinLnBrk="1"/>
+                      <a:r>
+                        <a:rPr lang="en-US" altLang="ko-KR" sz="1000" b="0" dirty="0">
+                          <a:solidFill>
+                            <a:schemeClr val="tx1"/>
+                          </a:solidFill>
+                          <a:latin typeface="Pretendard" panose="02000503000000020004" pitchFamily="2" charset="-127"/>
+                          <a:ea typeface="Pretendard" panose="02000503000000020004" pitchFamily="2" charset="-127"/>
+                          <a:cs typeface="Pretendard" panose="02000503000000020004" pitchFamily="2" charset="-127"/>
+                        </a:rPr>
+                        <a:t>hjs0913@naver.com</a:t>
+                      </a:r>
+                      <a:endParaRPr lang="ko-KR" altLang="en-US" sz="1000" b="0" dirty="0">
+                        <a:solidFill>
+                          <a:schemeClr val="tx1"/>
+                        </a:solidFill>
+                        <a:latin typeface="Pretendard" panose="02000503000000020004" pitchFamily="2" charset="-127"/>
+                        <a:ea typeface="Pretendard" panose="02000503000000020004" pitchFamily="2" charset="-127"/>
+                        <a:cs typeface="Pretendard" panose="02000503000000020004" pitchFamily="2" charset="-127"/>
+                      </a:endParaRPr>
+                    </a:p>
+                  </a:txBody>
+                  <a:tcPr marL="45720" marR="45720" anchor="ctr">
+                    <a:solidFill>
+                      <a:schemeClr val="bg1"/>
+                    </a:solidFill>
+                  </a:tcPr>
+                </a:tc>
+                <a:extLst>
+                  <a:ext uri="{0D108BD9-81ED-4DB2-BD59-A6C34878D82A}">
+                    <a16:rowId xmlns:a16="http://schemas.microsoft.com/office/drawing/2014/main" val="4182599097"/>
+                  </a:ext>
+                </a:extLst>
+              </a:tr>
+            </a:tbl>
+          </a:graphicData>
+        </a:graphic>
+      </p:graphicFrame>
     </p:spTree>
     <p:extLst>
       <p:ext uri="{BB962C8B-B14F-4D97-AF65-F5344CB8AC3E}">
